--- a/doc/_editable/MyBar.pptx
+++ b/doc/_editable/MyBar.pptx
@@ -2,7 +2,7 @@
 <file path=ppt/presentation.xml><?xml version="1.0" encoding="utf-8"?>
 <p:presentation xmlns:a="http://schemas.openxmlformats.org/drawingml/2006/main" xmlns:r="http://schemas.openxmlformats.org/officeDocument/2006/relationships" xmlns:p="http://schemas.openxmlformats.org/presentationml/2006/main" saveSubsetFonts="1" autoCompressPictures="0">
   <p:sldMasterIdLst>
-    <p:sldMasterId id="2147483648" r:id="rId1"/>
+    <p:sldMasterId id="2147483836" r:id="rId1"/>
   </p:sldMasterIdLst>
   <p:sldIdLst>
     <p:sldId id="256" r:id="rId2"/>
@@ -10,6 +10,8 @@
     <p:sldId id="258" r:id="rId4"/>
     <p:sldId id="260" r:id="rId5"/>
     <p:sldId id="261" r:id="rId6"/>
+    <p:sldId id="262" r:id="rId7"/>
+    <p:sldId id="263" r:id="rId8"/>
   </p:sldIdLst>
   <p:sldSz cx="12192000" cy="6858000"/>
   <p:notesSz cx="6858000" cy="9144000"/>
@@ -108,6 +110,11 @@
       </a:defRPr>
     </a:lvl9pPr>
   </p:defaultTextStyle>
+  <p:extLst>
+    <p:ext uri="{EFAFB233-063F-42B5-8137-9DF3F51BA10A}">
+      <p15:sldGuideLst xmlns:p15="http://schemas.microsoft.com/office/powerpoint/2012/main"/>
+    </p:ext>
+  </p:extLst>
 </p:presentation>
 </file>
 
@@ -346,10 +353,27 @@
         </p:txBody>
       </p:sp>
     </p:spTree>
+    <p:extLst>
+      <p:ext uri="{BB962C8B-B14F-4D97-AF65-F5344CB8AC3E}">
+        <p14:creationId xmlns:p14="http://schemas.microsoft.com/office/powerpoint/2010/main" val="365392612"/>
+      </p:ext>
+    </p:extLst>
   </p:cSld>
   <p:clrMapOvr>
     <a:masterClrMapping/>
   </p:clrMapOvr>
+  <mc:AlternateContent xmlns:mc="http://schemas.openxmlformats.org/markup-compatibility/2006">
+    <mc:Choice xmlns:p14="http://schemas.microsoft.com/office/powerpoint/2010/main" Requires="p14">
+      <p:transition spd="med" p14:dur="700">
+        <p:fade/>
+      </p:transition>
+    </mc:Choice>
+    <mc:Fallback>
+      <p:transition spd="med">
+        <p:fade/>
+      </p:transition>
+    </mc:Fallback>
+  </mc:AlternateContent>
 </p:sldLayout>
 </file>
 
@@ -565,11 +589,11 @@
           <a:bodyPr/>
           <a:lstStyle/>
           <a:p>
-            <a:fld id="{4509A250-FF31-4206-8172-F9D3106AACB1}" type="datetime1">
+            <a:fld id="{4AAD347D-5ACD-4C99-B74B-A9C85AD731AF}" type="datetime1">
               <a:rPr lang="en-US" smtClean="0"/>
               <a:t>10/21/2012</a:t>
             </a:fld>
-            <a:endParaRPr lang="en-US" dirty="0"/>
+            <a:endParaRPr lang="en-US"/>
           </a:p>
         </p:txBody>
       </p:sp>
@@ -616,10 +640,28 @@
         </p:txBody>
       </p:sp>
     </p:spTree>
+    <p:extLst>
+      <p:ext uri="{BB962C8B-B14F-4D97-AF65-F5344CB8AC3E}">
+        <p14:creationId xmlns:p14="http://schemas.microsoft.com/office/powerpoint/2010/main" val="3821412051"/>
+      </p:ext>
+    </p:extLst>
   </p:cSld>
   <p:clrMapOvr>
     <a:masterClrMapping/>
   </p:clrMapOvr>
+  <mc:AlternateContent xmlns:mc="http://schemas.openxmlformats.org/markup-compatibility/2006">
+    <mc:Choice xmlns:p14="http://schemas.microsoft.com/office/powerpoint/2010/main" Requires="p14">
+      <p:transition spd="med" p14:dur="700">
+        <p:fade/>
+      </p:transition>
+    </mc:Choice>
+    <mc:Fallback>
+      <p:transition spd="med">
+        <p:fade/>
+      </p:transition>
+    </mc:Fallback>
+  </mc:AlternateContent>
+  <p:hf sldNum="0" hdr="0" ftr="0" dt="0"/>
 </p:sldLayout>
 </file>
 
@@ -687,11 +729,11 @@
           <a:bodyPr/>
           <a:lstStyle/>
           <a:p>
-            <a:fld id="{4509A250-FF31-4206-8172-F9D3106AACB1}" type="datetime1">
+            <a:fld id="{4AAD347D-5ACD-4C99-B74B-A9C85AD731AF}" type="datetime1">
               <a:rPr lang="en-US" smtClean="0"/>
               <a:t>10/21/2012</a:t>
             </a:fld>
-            <a:endParaRPr lang="en-US" dirty="0"/>
+            <a:endParaRPr lang="en-US"/>
           </a:p>
         </p:txBody>
       </p:sp>
@@ -805,10 +847,28 @@
         </p:txBody>
       </p:sp>
     </p:spTree>
+    <p:extLst>
+      <p:ext uri="{BB962C8B-B14F-4D97-AF65-F5344CB8AC3E}">
+        <p14:creationId xmlns:p14="http://schemas.microsoft.com/office/powerpoint/2010/main" val="1197600105"/>
+      </p:ext>
+    </p:extLst>
   </p:cSld>
   <p:clrMapOvr>
     <a:masterClrMapping/>
   </p:clrMapOvr>
+  <mc:AlternateContent xmlns:mc="http://schemas.openxmlformats.org/markup-compatibility/2006">
+    <mc:Choice xmlns:p14="http://schemas.microsoft.com/office/powerpoint/2010/main" Requires="p14">
+      <p:transition spd="med" p14:dur="700">
+        <p:fade/>
+      </p:transition>
+    </mc:Choice>
+    <mc:Fallback>
+      <p:transition spd="med">
+        <p:fade/>
+      </p:transition>
+    </mc:Fallback>
+  </mc:AlternateContent>
+  <p:hf sldNum="0" hdr="0" ftr="0" dt="0"/>
 </p:sldLayout>
 </file>
 
@@ -876,11 +936,11 @@
           <a:bodyPr/>
           <a:lstStyle/>
           <a:p>
-            <a:fld id="{4509A250-FF31-4206-8172-F9D3106AACB1}" type="datetime1">
+            <a:fld id="{4AAD347D-5ACD-4C99-B74B-A9C85AD731AF}" type="datetime1">
               <a:rPr lang="en-US" smtClean="0"/>
               <a:t>10/21/2012</a:t>
             </a:fld>
-            <a:endParaRPr lang="en-US" dirty="0"/>
+            <a:endParaRPr lang="en-US"/>
           </a:p>
         </p:txBody>
       </p:sp>
@@ -1136,10 +1196,28 @@
         </p:txBody>
       </p:sp>
     </p:spTree>
+    <p:extLst>
+      <p:ext uri="{BB962C8B-B14F-4D97-AF65-F5344CB8AC3E}">
+        <p14:creationId xmlns:p14="http://schemas.microsoft.com/office/powerpoint/2010/main" val="2155637598"/>
+      </p:ext>
+    </p:extLst>
   </p:cSld>
   <p:clrMapOvr>
     <a:masterClrMapping/>
   </p:clrMapOvr>
+  <mc:AlternateContent xmlns:mc="http://schemas.openxmlformats.org/markup-compatibility/2006">
+    <mc:Choice xmlns:p14="http://schemas.microsoft.com/office/powerpoint/2010/main" Requires="p14">
+      <p:transition spd="med" p14:dur="700">
+        <p:fade/>
+      </p:transition>
+    </mc:Choice>
+    <mc:Fallback>
+      <p:transition spd="med">
+        <p:fade/>
+      </p:transition>
+    </mc:Fallback>
+  </mc:AlternateContent>
+  <p:hf sldNum="0" hdr="0" ftr="0" dt="0"/>
 </p:sldLayout>
 </file>
 
@@ -1327,11 +1405,11 @@
           <a:bodyPr/>
           <a:lstStyle/>
           <a:p>
-            <a:fld id="{4509A250-FF31-4206-8172-F9D3106AACB1}" type="datetime1">
+            <a:fld id="{4AAD347D-5ACD-4C99-B74B-A9C85AD731AF}" type="datetime1">
               <a:rPr lang="en-US" smtClean="0"/>
               <a:t>10/21/2012</a:t>
             </a:fld>
-            <a:endParaRPr lang="en-US" dirty="0"/>
+            <a:endParaRPr lang="en-US"/>
           </a:p>
         </p:txBody>
       </p:sp>
@@ -1378,10 +1456,28 @@
         </p:txBody>
       </p:sp>
     </p:spTree>
+    <p:extLst>
+      <p:ext uri="{BB962C8B-B14F-4D97-AF65-F5344CB8AC3E}">
+        <p14:creationId xmlns:p14="http://schemas.microsoft.com/office/powerpoint/2010/main" val="2372165874"/>
+      </p:ext>
+    </p:extLst>
   </p:cSld>
   <p:clrMapOvr>
     <a:masterClrMapping/>
   </p:clrMapOvr>
+  <mc:AlternateContent xmlns:mc="http://schemas.openxmlformats.org/markup-compatibility/2006">
+    <mc:Choice xmlns:p14="http://schemas.microsoft.com/office/powerpoint/2010/main" Requires="p14">
+      <p:transition spd="med" p14:dur="700">
+        <p:fade/>
+      </p:transition>
+    </mc:Choice>
+    <mc:Fallback>
+      <p:transition spd="med">
+        <p:fade/>
+      </p:transition>
+    </mc:Fallback>
+  </mc:AlternateContent>
+  <p:hf sldNum="0" hdr="0" ftr="0" dt="0"/>
 </p:sldLayout>
 </file>
 
@@ -1449,11 +1545,11 @@
           <a:bodyPr/>
           <a:lstStyle/>
           <a:p>
-            <a:fld id="{4509A250-FF31-4206-8172-F9D3106AACB1}" type="datetime1">
+            <a:fld id="{4AAD347D-5ACD-4C99-B74B-A9C85AD731AF}" type="datetime1">
               <a:rPr lang="en-US" smtClean="0"/>
               <a:t>10/21/2012</a:t>
             </a:fld>
-            <a:endParaRPr lang="en-US" dirty="0"/>
+            <a:endParaRPr lang="en-US"/>
           </a:p>
         </p:txBody>
       </p:sp>
@@ -1673,10 +1769,28 @@
         </p:txBody>
       </p:sp>
     </p:spTree>
+    <p:extLst>
+      <p:ext uri="{BB962C8B-B14F-4D97-AF65-F5344CB8AC3E}">
+        <p14:creationId xmlns:p14="http://schemas.microsoft.com/office/powerpoint/2010/main" val="918777110"/>
+      </p:ext>
+    </p:extLst>
   </p:cSld>
   <p:clrMapOvr>
     <a:masterClrMapping/>
   </p:clrMapOvr>
+  <mc:AlternateContent xmlns:mc="http://schemas.openxmlformats.org/markup-compatibility/2006">
+    <mc:Choice xmlns:p14="http://schemas.microsoft.com/office/powerpoint/2010/main" Requires="p14">
+      <p:transition spd="med" p14:dur="700">
+        <p:fade/>
+      </p:transition>
+    </mc:Choice>
+    <mc:Fallback>
+      <p:transition spd="med">
+        <p:fade/>
+      </p:transition>
+    </mc:Fallback>
+  </mc:AlternateContent>
+  <p:hf sldNum="0" hdr="0" ftr="0" dt="0"/>
 </p:sldLayout>
 </file>
 
@@ -1744,11 +1858,11 @@
           <a:bodyPr/>
           <a:lstStyle/>
           <a:p>
-            <a:fld id="{4509A250-FF31-4206-8172-F9D3106AACB1}" type="datetime1">
+            <a:fld id="{4AAD347D-5ACD-4C99-B74B-A9C85AD731AF}" type="datetime1">
               <a:rPr lang="en-US" smtClean="0"/>
               <a:t>10/21/2012</a:t>
             </a:fld>
-            <a:endParaRPr lang="en-US" dirty="0"/>
+            <a:endParaRPr lang="en-US"/>
           </a:p>
         </p:txBody>
       </p:sp>
@@ -1939,10 +2053,28 @@
         </p:txBody>
       </p:sp>
     </p:spTree>
+    <p:extLst>
+      <p:ext uri="{BB962C8B-B14F-4D97-AF65-F5344CB8AC3E}">
+        <p14:creationId xmlns:p14="http://schemas.microsoft.com/office/powerpoint/2010/main" val="2175255879"/>
+      </p:ext>
+    </p:extLst>
   </p:cSld>
   <p:clrMapOvr>
     <a:masterClrMapping/>
   </p:clrMapOvr>
+  <mc:AlternateContent xmlns:mc="http://schemas.openxmlformats.org/markup-compatibility/2006">
+    <mc:Choice xmlns:p14="http://schemas.microsoft.com/office/powerpoint/2010/main" Requires="p14">
+      <p:transition spd="med" p14:dur="700">
+        <p:fade/>
+      </p:transition>
+    </mc:Choice>
+    <mc:Fallback>
+      <p:transition spd="med">
+        <p:fade/>
+      </p:transition>
+    </mc:Fallback>
+  </mc:AlternateContent>
+  <p:hf sldNum="0" hdr="0" ftr="0" dt="0"/>
 </p:sldLayout>
 </file>
 
@@ -2506,11 +2638,11 @@
           <a:bodyPr/>
           <a:lstStyle/>
           <a:p>
-            <a:fld id="{4509A250-FF31-4206-8172-F9D3106AACB1}" type="datetime1">
+            <a:fld id="{4AAD347D-5ACD-4C99-B74B-A9C85AD731AF}" type="datetime1">
               <a:rPr lang="en-US" smtClean="0"/>
               <a:t>10/21/2012</a:t>
             </a:fld>
-            <a:endParaRPr lang="en-US" dirty="0"/>
+            <a:endParaRPr lang="en-US"/>
           </a:p>
         </p:txBody>
       </p:sp>
@@ -2557,10 +2689,28 @@
         </p:txBody>
       </p:sp>
     </p:spTree>
+    <p:extLst>
+      <p:ext uri="{BB962C8B-B14F-4D97-AF65-F5344CB8AC3E}">
+        <p14:creationId xmlns:p14="http://schemas.microsoft.com/office/powerpoint/2010/main" val="3508056336"/>
+      </p:ext>
+    </p:extLst>
   </p:cSld>
   <p:clrMapOvr>
     <a:masterClrMapping/>
   </p:clrMapOvr>
+  <mc:AlternateContent xmlns:mc="http://schemas.openxmlformats.org/markup-compatibility/2006">
+    <mc:Choice xmlns:p14="http://schemas.microsoft.com/office/powerpoint/2010/main" Requires="p14">
+      <p:transition spd="med" p14:dur="700">
+        <p:fade/>
+      </p:transition>
+    </mc:Choice>
+    <mc:Fallback>
+      <p:transition spd="med">
+        <p:fade/>
+      </p:transition>
+    </mc:Fallback>
+  </mc:AlternateContent>
+  <p:hf sldNum="0" hdr="0" ftr="0" dt="0"/>
 </p:sldLayout>
 </file>
 
@@ -3361,11 +3511,11 @@
           <a:bodyPr/>
           <a:lstStyle/>
           <a:p>
-            <a:fld id="{4509A250-FF31-4206-8172-F9D3106AACB1}" type="datetime1">
+            <a:fld id="{4AAD347D-5ACD-4C99-B74B-A9C85AD731AF}" type="datetime1">
               <a:rPr lang="en-US" smtClean="0"/>
               <a:t>10/21/2012</a:t>
             </a:fld>
-            <a:endParaRPr lang="en-US" dirty="0"/>
+            <a:endParaRPr lang="en-US"/>
           </a:p>
         </p:txBody>
       </p:sp>
@@ -3412,10 +3562,28 @@
         </p:txBody>
       </p:sp>
     </p:spTree>
+    <p:extLst>
+      <p:ext uri="{BB962C8B-B14F-4D97-AF65-F5344CB8AC3E}">
+        <p14:creationId xmlns:p14="http://schemas.microsoft.com/office/powerpoint/2010/main" val="2660073791"/>
+      </p:ext>
+    </p:extLst>
   </p:cSld>
   <p:clrMapOvr>
     <a:masterClrMapping/>
   </p:clrMapOvr>
+  <mc:AlternateContent xmlns:mc="http://schemas.openxmlformats.org/markup-compatibility/2006">
+    <mc:Choice xmlns:p14="http://schemas.microsoft.com/office/powerpoint/2010/main" Requires="p14">
+      <p:transition spd="med" p14:dur="700">
+        <p:fade/>
+      </p:transition>
+    </mc:Choice>
+    <mc:Fallback>
+      <p:transition spd="med">
+        <p:fade/>
+      </p:transition>
+    </mc:Fallback>
+  </mc:AlternateContent>
+  <p:hf sldNum="0" hdr="0" ftr="0" dt="0"/>
 </p:sldLayout>
 </file>
 
@@ -3577,10 +3745,27 @@
         </p:txBody>
       </p:sp>
     </p:spTree>
+    <p:extLst>
+      <p:ext uri="{BB962C8B-B14F-4D97-AF65-F5344CB8AC3E}">
+        <p14:creationId xmlns:p14="http://schemas.microsoft.com/office/powerpoint/2010/main" val="1395448532"/>
+      </p:ext>
+    </p:extLst>
   </p:cSld>
   <p:clrMapOvr>
     <a:masterClrMapping/>
   </p:clrMapOvr>
+  <mc:AlternateContent xmlns:mc="http://schemas.openxmlformats.org/markup-compatibility/2006">
+    <mc:Choice xmlns:p14="http://schemas.microsoft.com/office/powerpoint/2010/main" Requires="p14">
+      <p:transition spd="med" p14:dur="700">
+        <p:fade/>
+      </p:transition>
+    </mc:Choice>
+    <mc:Fallback>
+      <p:transition spd="med">
+        <p:fade/>
+      </p:transition>
+    </mc:Fallback>
+  </mc:AlternateContent>
 </p:sldLayout>
 </file>
 
@@ -3752,10 +3937,27 @@
         </p:txBody>
       </p:sp>
     </p:spTree>
+    <p:extLst>
+      <p:ext uri="{BB962C8B-B14F-4D97-AF65-F5344CB8AC3E}">
+        <p14:creationId xmlns:p14="http://schemas.microsoft.com/office/powerpoint/2010/main" val="888665688"/>
+      </p:ext>
+    </p:extLst>
   </p:cSld>
   <p:clrMapOvr>
     <a:masterClrMapping/>
   </p:clrMapOvr>
+  <mc:AlternateContent xmlns:mc="http://schemas.openxmlformats.org/markup-compatibility/2006">
+    <mc:Choice xmlns:p14="http://schemas.microsoft.com/office/powerpoint/2010/main" Requires="p14">
+      <p:transition spd="med" p14:dur="700">
+        <p:fade/>
+      </p:transition>
+    </mc:Choice>
+    <mc:Fallback>
+      <p:transition spd="med">
+        <p:fade/>
+      </p:transition>
+    </mc:Fallback>
+  </mc:AlternateContent>
 </p:sldLayout>
 </file>
 
@@ -3917,10 +4119,27 @@
         </p:txBody>
       </p:sp>
     </p:spTree>
+    <p:extLst>
+      <p:ext uri="{BB962C8B-B14F-4D97-AF65-F5344CB8AC3E}">
+        <p14:creationId xmlns:p14="http://schemas.microsoft.com/office/powerpoint/2010/main" val="1257418853"/>
+      </p:ext>
+    </p:extLst>
   </p:cSld>
   <p:clrMapOvr>
     <a:masterClrMapping/>
   </p:clrMapOvr>
+  <mc:AlternateContent xmlns:mc="http://schemas.openxmlformats.org/markup-compatibility/2006">
+    <mc:Choice xmlns:p14="http://schemas.microsoft.com/office/powerpoint/2010/main" Requires="p14">
+      <p:transition spd="med" p14:dur="700">
+        <p:fade/>
+      </p:transition>
+    </mc:Choice>
+    <mc:Fallback>
+      <p:transition spd="med">
+        <p:fade/>
+      </p:transition>
+    </mc:Fallback>
+  </mc:AlternateContent>
 </p:sldLayout>
 </file>
 
@@ -4159,10 +4378,27 @@
         </p:txBody>
       </p:sp>
     </p:spTree>
+    <p:extLst>
+      <p:ext uri="{BB962C8B-B14F-4D97-AF65-F5344CB8AC3E}">
+        <p14:creationId xmlns:p14="http://schemas.microsoft.com/office/powerpoint/2010/main" val="3839590506"/>
+      </p:ext>
+    </p:extLst>
   </p:cSld>
   <p:clrMapOvr>
     <a:masterClrMapping/>
   </p:clrMapOvr>
+  <mc:AlternateContent xmlns:mc="http://schemas.openxmlformats.org/markup-compatibility/2006">
+    <mc:Choice xmlns:p14="http://schemas.microsoft.com/office/powerpoint/2010/main" Requires="p14">
+      <p:transition spd="med" p14:dur="700">
+        <p:fade/>
+      </p:transition>
+    </mc:Choice>
+    <mc:Fallback>
+      <p:transition spd="med">
+        <p:fade/>
+      </p:transition>
+    </mc:Fallback>
+  </mc:AlternateContent>
 </p:sldLayout>
 </file>
 
@@ -4446,10 +4682,27 @@
         </p:txBody>
       </p:sp>
     </p:spTree>
+    <p:extLst>
+      <p:ext uri="{BB962C8B-B14F-4D97-AF65-F5344CB8AC3E}">
+        <p14:creationId xmlns:p14="http://schemas.microsoft.com/office/powerpoint/2010/main" val="2170686551"/>
+      </p:ext>
+    </p:extLst>
   </p:cSld>
   <p:clrMapOvr>
     <a:masterClrMapping/>
   </p:clrMapOvr>
+  <mc:AlternateContent xmlns:mc="http://schemas.openxmlformats.org/markup-compatibility/2006">
+    <mc:Choice xmlns:p14="http://schemas.microsoft.com/office/powerpoint/2010/main" Requires="p14">
+      <p:transition spd="med" p14:dur="700">
+        <p:fade/>
+      </p:transition>
+    </mc:Choice>
+    <mc:Fallback>
+      <p:transition spd="med">
+        <p:fade/>
+      </p:transition>
+    </mc:Fallback>
+  </mc:AlternateContent>
 </p:sldLayout>
 </file>
 
@@ -4885,10 +5138,27 @@
         </p:txBody>
       </p:sp>
     </p:spTree>
+    <p:extLst>
+      <p:ext uri="{BB962C8B-B14F-4D97-AF65-F5344CB8AC3E}">
+        <p14:creationId xmlns:p14="http://schemas.microsoft.com/office/powerpoint/2010/main" val="3610527068"/>
+      </p:ext>
+    </p:extLst>
   </p:cSld>
   <p:clrMapOvr>
     <a:masterClrMapping/>
   </p:clrMapOvr>
+  <mc:AlternateContent xmlns:mc="http://schemas.openxmlformats.org/markup-compatibility/2006">
+    <mc:Choice xmlns:p14="http://schemas.microsoft.com/office/powerpoint/2010/main" Requires="p14">
+      <p:transition spd="med" p14:dur="700">
+        <p:fade/>
+      </p:transition>
+    </mc:Choice>
+    <mc:Fallback>
+      <p:transition spd="med">
+        <p:fade/>
+      </p:transition>
+    </mc:Fallback>
+  </mc:AlternateContent>
 </p:sldLayout>
 </file>
 
@@ -4998,10 +5268,27 @@
         </p:txBody>
       </p:sp>
     </p:spTree>
+    <p:extLst>
+      <p:ext uri="{BB962C8B-B14F-4D97-AF65-F5344CB8AC3E}">
+        <p14:creationId xmlns:p14="http://schemas.microsoft.com/office/powerpoint/2010/main" val="909530487"/>
+      </p:ext>
+    </p:extLst>
   </p:cSld>
   <p:clrMapOvr>
     <a:masterClrMapping/>
   </p:clrMapOvr>
+  <mc:AlternateContent xmlns:mc="http://schemas.openxmlformats.org/markup-compatibility/2006">
+    <mc:Choice xmlns:p14="http://schemas.microsoft.com/office/powerpoint/2010/main" Requires="p14">
+      <p:transition spd="med" p14:dur="700">
+        <p:fade/>
+      </p:transition>
+    </mc:Choice>
+    <mc:Fallback>
+      <p:transition spd="med">
+        <p:fade/>
+      </p:transition>
+    </mc:Fallback>
+  </mc:AlternateContent>
 </p:sldLayout>
 </file>
 
@@ -5088,10 +5375,27 @@
         </p:txBody>
       </p:sp>
     </p:spTree>
+    <p:extLst>
+      <p:ext uri="{BB962C8B-B14F-4D97-AF65-F5344CB8AC3E}">
+        <p14:creationId xmlns:p14="http://schemas.microsoft.com/office/powerpoint/2010/main" val="2524090897"/>
+      </p:ext>
+    </p:extLst>
   </p:cSld>
   <p:clrMapOvr>
     <a:masterClrMapping/>
   </p:clrMapOvr>
+  <mc:AlternateContent xmlns:mc="http://schemas.openxmlformats.org/markup-compatibility/2006">
+    <mc:Choice xmlns:p14="http://schemas.microsoft.com/office/powerpoint/2010/main" Requires="p14">
+      <p:transition spd="med" p14:dur="700">
+        <p:fade/>
+      </p:transition>
+    </mc:Choice>
+    <mc:Fallback>
+      <p:transition spd="med">
+        <p:fade/>
+      </p:transition>
+    </mc:Fallback>
+  </mc:AlternateContent>
 </p:sldLayout>
 </file>
 
@@ -5362,10 +5666,27 @@
         </p:txBody>
       </p:sp>
     </p:spTree>
+    <p:extLst>
+      <p:ext uri="{BB962C8B-B14F-4D97-AF65-F5344CB8AC3E}">
+        <p14:creationId xmlns:p14="http://schemas.microsoft.com/office/powerpoint/2010/main" val="3468638715"/>
+      </p:ext>
+    </p:extLst>
   </p:cSld>
   <p:clrMapOvr>
     <a:masterClrMapping/>
   </p:clrMapOvr>
+  <mc:AlternateContent xmlns:mc="http://schemas.openxmlformats.org/markup-compatibility/2006">
+    <mc:Choice xmlns:p14="http://schemas.microsoft.com/office/powerpoint/2010/main" Requires="p14">
+      <p:transition spd="med" p14:dur="700">
+        <p:fade/>
+      </p:transition>
+    </mc:Choice>
+    <mc:Fallback>
+      <p:transition spd="med">
+        <p:fade/>
+      </p:transition>
+    </mc:Fallback>
+  </mc:AlternateContent>
 </p:sldLayout>
 </file>
 
@@ -5632,10 +5953,27 @@
         </p:txBody>
       </p:sp>
     </p:spTree>
+    <p:extLst>
+      <p:ext uri="{BB962C8B-B14F-4D97-AF65-F5344CB8AC3E}">
+        <p14:creationId xmlns:p14="http://schemas.microsoft.com/office/powerpoint/2010/main" val="3725123056"/>
+      </p:ext>
+    </p:extLst>
   </p:cSld>
   <p:clrMapOvr>
     <a:masterClrMapping/>
   </p:clrMapOvr>
+  <mc:AlternateContent xmlns:mc="http://schemas.openxmlformats.org/markup-compatibility/2006">
+    <mc:Choice xmlns:p14="http://schemas.microsoft.com/office/powerpoint/2010/main" Requires="p14">
+      <p:transition spd="med" p14:dur="700">
+        <p:fade/>
+      </p:transition>
+    </mc:Choice>
+    <mc:Fallback>
+      <p:transition spd="med">
+        <p:fade/>
+      </p:transition>
+    </mc:Fallback>
+  </mc:AlternateContent>
 </p:sldLayout>
 </file>
 
@@ -6277,29 +6615,46 @@
         </p:txBody>
       </p:sp>
     </p:spTree>
+    <p:extLst>
+      <p:ext uri="{BB962C8B-B14F-4D97-AF65-F5344CB8AC3E}">
+        <p14:creationId xmlns:p14="http://schemas.microsoft.com/office/powerpoint/2010/main" val="2733850438"/>
+      </p:ext>
+    </p:extLst>
   </p:cSld>
   <p:clrMap bg1="dk1" tx1="lt1" bg2="dk2" tx2="lt2" accent1="accent1" accent2="accent2" accent3="accent3" accent4="accent4" accent5="accent5" accent6="accent6" hlink="hlink" folHlink="folHlink"/>
   <p:sldLayoutIdLst>
-    <p:sldLayoutId id="2147483649" r:id="rId1"/>
-    <p:sldLayoutId id="2147483650" r:id="rId2"/>
-    <p:sldLayoutId id="2147483651" r:id="rId3"/>
-    <p:sldLayoutId id="2147483652" r:id="rId4"/>
-    <p:sldLayoutId id="2147483653" r:id="rId5"/>
-    <p:sldLayoutId id="2147483654" r:id="rId6"/>
-    <p:sldLayoutId id="2147483655" r:id="rId7"/>
-    <p:sldLayoutId id="2147483656" r:id="rId8"/>
-    <p:sldLayoutId id="2147483668" r:id="rId9"/>
-    <p:sldLayoutId id="2147483667" r:id="rId10"/>
-    <p:sldLayoutId id="2147483661" r:id="rId11"/>
-    <p:sldLayoutId id="2147483664" r:id="rId12"/>
-    <p:sldLayoutId id="2147483662" r:id="rId13"/>
-    <p:sldLayoutId id="2147483663" r:id="rId14"/>
-    <p:sldLayoutId id="2147483665" r:id="rId15"/>
-    <p:sldLayoutId id="2147483669" r:id="rId16"/>
-    <p:sldLayoutId id="2147483670" r:id="rId17"/>
-    <p:sldLayoutId id="2147483658" r:id="rId18"/>
-    <p:sldLayoutId id="2147483659" r:id="rId19"/>
+    <p:sldLayoutId id="2147483837" r:id="rId1"/>
+    <p:sldLayoutId id="2147483838" r:id="rId2"/>
+    <p:sldLayoutId id="2147483839" r:id="rId3"/>
+    <p:sldLayoutId id="2147483840" r:id="rId4"/>
+    <p:sldLayoutId id="2147483841" r:id="rId5"/>
+    <p:sldLayoutId id="2147483842" r:id="rId6"/>
+    <p:sldLayoutId id="2147483843" r:id="rId7"/>
+    <p:sldLayoutId id="2147483844" r:id="rId8"/>
+    <p:sldLayoutId id="2147483845" r:id="rId9"/>
+    <p:sldLayoutId id="2147483846" r:id="rId10"/>
+    <p:sldLayoutId id="2147483847" r:id="rId11"/>
+    <p:sldLayoutId id="2147483848" r:id="rId12"/>
+    <p:sldLayoutId id="2147483849" r:id="rId13"/>
+    <p:sldLayoutId id="2147483850" r:id="rId14"/>
+    <p:sldLayoutId id="2147483851" r:id="rId15"/>
+    <p:sldLayoutId id="2147483852" r:id="rId16"/>
+    <p:sldLayoutId id="2147483853" r:id="rId17"/>
+    <p:sldLayoutId id="2147483854" r:id="rId18"/>
+    <p:sldLayoutId id="2147483855" r:id="rId19"/>
   </p:sldLayoutIdLst>
+  <mc:AlternateContent xmlns:mc="http://schemas.openxmlformats.org/markup-compatibility/2006">
+    <mc:Choice xmlns:p14="http://schemas.microsoft.com/office/powerpoint/2010/main" Requires="p14">
+      <p:transition spd="med" p14:dur="700">
+        <p:fade/>
+      </p:transition>
+    </mc:Choice>
+    <mc:Fallback>
+      <p:transition spd="med">
+        <p:fade/>
+      </p:transition>
+    </mc:Fallback>
+  </mc:AlternateContent>
   <p:hf sldNum="0" hdr="0" ftr="0" dt="0"/>
   <p:txStyles>
     <p:titleStyle>
@@ -6733,10 +7088,26 @@
           <a:lstStyle/>
           <a:p>
             <a:r>
-              <a:rPr lang="sv-SE" dirty="0" smtClean="0"/>
-              <a:t>MyBar</a:t>
-            </a:r>
-            <a:endParaRPr lang="sv-SE" dirty="0"/>
+              <a:rPr lang="sv-SE" dirty="0" smtClean="0">
+                <a:solidFill>
+                  <a:srgbClr val="00B0F0"/>
+                </a:solidFill>
+              </a:rPr>
+              <a:t>My</a:t>
+            </a:r>
+            <a:r>
+              <a:rPr lang="sv-SE" dirty="0" smtClean="0">
+                <a:solidFill>
+                  <a:srgbClr val="EE02B0"/>
+                </a:solidFill>
+              </a:rPr>
+              <a:t>Bar</a:t>
+            </a:r>
+            <a:endParaRPr lang="sv-SE" dirty="0">
+              <a:solidFill>
+                <a:srgbClr val="EE02B0"/>
+              </a:solidFill>
+            </a:endParaRPr>
           </a:p>
         </p:txBody>
       </p:sp>
@@ -6773,6 +7144,18 @@
   <p:clrMapOvr>
     <a:masterClrMapping/>
   </p:clrMapOvr>
+  <mc:AlternateContent xmlns:mc="http://schemas.openxmlformats.org/markup-compatibility/2006">
+    <mc:Choice xmlns:p14="http://schemas.microsoft.com/office/powerpoint/2010/main" Requires="p14">
+      <p:transition spd="med" p14:dur="700">
+        <p:fade/>
+      </p:transition>
+    </mc:Choice>
+    <mc:Fallback>
+      <p:transition spd="med">
+        <p:fade/>
+      </p:transition>
+    </mc:Fallback>
+  </mc:AlternateContent>
   <p:timing>
     <p:tnLst>
       <p:par>
@@ -6810,14 +7193,19 @@
             <p:ph type="title"/>
           </p:nvPr>
         </p:nvSpPr>
-        <p:spPr/>
+        <p:spPr>
+          <a:xfrm>
+            <a:off x="645130" y="652388"/>
+            <a:ext cx="9404723" cy="1400530"/>
+          </a:xfrm>
+        </p:spPr>
         <p:txBody>
           <a:bodyPr/>
           <a:lstStyle/>
           <a:p>
             <a:r>
               <a:rPr lang="sv-SE" dirty="0" smtClean="0"/>
-              <a:t>Dagordning</a:t>
+              <a:t>Innehåll</a:t>
             </a:r>
             <a:endParaRPr lang="sv-SE" dirty="0"/>
           </a:p>
@@ -6884,6 +7272,25 @@
   <p:clrMapOvr>
     <a:masterClrMapping/>
   </p:clrMapOvr>
+  <mc:AlternateContent xmlns:mc="http://schemas.openxmlformats.org/markup-compatibility/2006">
+    <mc:Choice xmlns:p14="http://schemas.microsoft.com/office/powerpoint/2010/main" Requires="p14">
+      <p:transition spd="med" p14:dur="700">
+        <p:fade/>
+      </p:transition>
+    </mc:Choice>
+    <mc:Fallback>
+      <p:transition spd="med">
+        <p:fade/>
+      </p:transition>
+    </mc:Fallback>
+  </mc:AlternateContent>
+  <p:timing>
+    <p:tnLst>
+      <p:par>
+        <p:cTn id="1" dur="indefinite" restart="never" nodeType="tmRoot"/>
+      </p:par>
+    </p:tnLst>
+  </p:timing>
 </p:sld>
 </file>
 
@@ -6946,7 +7353,7 @@
       </p:sp>
       <p:pic>
         <p:nvPicPr>
-          <p:cNvPr id="5" name="Picture Placeholder 4"/>
+          <p:cNvPr id="8" name="Picture Placeholder 7"/>
           <p:cNvPicPr>
             <a:picLocks noGrp="1" noChangeAspect="1"/>
           </p:cNvPicPr>
@@ -6956,7 +7363,7 @@
         </p:nvPicPr>
         <p:blipFill>
           <a:blip r:embed="rId2"/>
-          <a:srcRect t="7024" b="7024"/>
+          <a:srcRect t="6822" b="6822"/>
           <a:stretch>
             <a:fillRect/>
           </a:stretch>
@@ -7080,6 +7487,25 @@
   <p:clrMapOvr>
     <a:masterClrMapping/>
   </p:clrMapOvr>
+  <mc:AlternateContent xmlns:mc="http://schemas.openxmlformats.org/markup-compatibility/2006">
+    <mc:Choice xmlns:p14="http://schemas.microsoft.com/office/powerpoint/2010/main" Requires="p14">
+      <p:transition spd="med" p14:dur="700">
+        <p:fade/>
+      </p:transition>
+    </mc:Choice>
+    <mc:Fallback>
+      <p:transition spd="med">
+        <p:fade/>
+      </p:transition>
+    </mc:Fallback>
+  </mc:AlternateContent>
+  <p:timing>
+    <p:tnLst>
+      <p:par>
+        <p:cTn id="1" dur="indefinite" restart="never" nodeType="tmRoot"/>
+      </p:par>
+    </p:tnLst>
+  </p:timing>
 </p:sld>
 </file>
 
@@ -7152,6 +7578,25 @@
   <p:clrMapOvr>
     <a:masterClrMapping/>
   </p:clrMapOvr>
+  <mc:AlternateContent xmlns:mc="http://schemas.openxmlformats.org/markup-compatibility/2006">
+    <mc:Choice xmlns:p14="http://schemas.microsoft.com/office/powerpoint/2010/main" Requires="p14">
+      <p:transition spd="med" p14:dur="700">
+        <p:fade/>
+      </p:transition>
+    </mc:Choice>
+    <mc:Fallback>
+      <p:transition spd="med">
+        <p:fade/>
+      </p:transition>
+    </mc:Fallback>
+  </mc:AlternateContent>
+  <p:timing>
+    <p:tnLst>
+      <p:par>
+        <p:cTn id="1" dur="indefinite" restart="never" nodeType="tmRoot"/>
+      </p:par>
+    </p:tnLst>
+  </p:timing>
 </p:sld>
 </file>
 
@@ -7224,6 +7669,367 @@
   <p:clrMapOvr>
     <a:masterClrMapping/>
   </p:clrMapOvr>
+  <mc:AlternateContent xmlns:mc="http://schemas.openxmlformats.org/markup-compatibility/2006">
+    <mc:Choice xmlns:p14="http://schemas.microsoft.com/office/powerpoint/2010/main" Requires="p14">
+      <p:transition spd="med" p14:dur="700">
+        <p:fade/>
+      </p:transition>
+    </mc:Choice>
+    <mc:Fallback>
+      <p:transition spd="med">
+        <p:fade/>
+      </p:transition>
+    </mc:Fallback>
+  </mc:AlternateContent>
+  <p:timing>
+    <p:tnLst>
+      <p:par>
+        <p:cTn id="1" dur="indefinite" restart="never" nodeType="tmRoot"/>
+      </p:par>
+    </p:tnLst>
+  </p:timing>
+</p:sld>
+</file>
+
+<file path=ppt/slides/slide6.xml><?xml version="1.0" encoding="utf-8"?>
+<p:sld xmlns:a="http://schemas.openxmlformats.org/drawingml/2006/main" xmlns:r="http://schemas.openxmlformats.org/officeDocument/2006/relationships" xmlns:p="http://schemas.openxmlformats.org/presentationml/2006/main">
+  <p:cSld>
+    <p:spTree>
+      <p:nvGrpSpPr>
+        <p:cNvPr id="1" name=""/>
+        <p:cNvGrpSpPr/>
+        <p:nvPr/>
+      </p:nvGrpSpPr>
+      <p:grpSpPr>
+        <a:xfrm>
+          <a:off x="0" y="0"/>
+          <a:ext cx="0" cy="0"/>
+          <a:chOff x="0" y="0"/>
+          <a:chExt cx="0" cy="0"/>
+        </a:xfrm>
+      </p:grpSpPr>
+      <p:sp>
+        <p:nvSpPr>
+          <p:cNvPr id="2" name="Title 1"/>
+          <p:cNvSpPr>
+            <a:spLocks noGrp="1"/>
+          </p:cNvSpPr>
+          <p:nvPr>
+            <p:ph type="title"/>
+          </p:nvPr>
+        </p:nvSpPr>
+        <p:spPr/>
+        <p:txBody>
+          <a:bodyPr/>
+          <a:lstStyle/>
+          <a:p>
+            <a:r>
+              <a:rPr lang="sv-SE" dirty="0" smtClean="0"/>
+              <a:t>Demonstration</a:t>
+            </a:r>
+            <a:endParaRPr lang="sv-SE" dirty="0"/>
+          </a:p>
+        </p:txBody>
+      </p:sp>
+      <p:sp>
+        <p:nvSpPr>
+          <p:cNvPr id="3" name="Text Placeholder 2"/>
+          <p:cNvSpPr>
+            <a:spLocks noGrp="1"/>
+          </p:cNvSpPr>
+          <p:nvPr>
+            <p:ph type="body" idx="1"/>
+          </p:nvPr>
+        </p:nvSpPr>
+        <p:spPr/>
+        <p:txBody>
+          <a:bodyPr/>
+          <a:lstStyle/>
+          <a:p>
+            <a:endParaRPr lang="sv-SE"/>
+          </a:p>
+        </p:txBody>
+      </p:sp>
+    </p:spTree>
+    <p:extLst>
+      <p:ext uri="{BB962C8B-B14F-4D97-AF65-F5344CB8AC3E}">
+        <p14:creationId xmlns:p14="http://schemas.microsoft.com/office/powerpoint/2010/main" val="2398981159"/>
+      </p:ext>
+    </p:extLst>
+  </p:cSld>
+  <p:clrMapOvr>
+    <a:masterClrMapping/>
+  </p:clrMapOvr>
+  <mc:AlternateContent xmlns:mc="http://schemas.openxmlformats.org/markup-compatibility/2006">
+    <mc:Choice xmlns:p14="http://schemas.microsoft.com/office/powerpoint/2010/main" Requires="p14">
+      <p:transition spd="med" p14:dur="700">
+        <p:fade/>
+      </p:transition>
+    </mc:Choice>
+    <mc:Fallback>
+      <p:transition spd="med">
+        <p:fade/>
+      </p:transition>
+    </mc:Fallback>
+  </mc:AlternateContent>
+  <p:timing>
+    <p:tnLst>
+      <p:par>
+        <p:cTn id="1" dur="indefinite" restart="never" nodeType="tmRoot"/>
+      </p:par>
+    </p:tnLst>
+  </p:timing>
+</p:sld>
+</file>
+
+<file path=ppt/slides/slide7.xml><?xml version="1.0" encoding="utf-8"?>
+<p:sld xmlns:a="http://schemas.openxmlformats.org/drawingml/2006/main" xmlns:r="http://schemas.openxmlformats.org/officeDocument/2006/relationships" xmlns:p="http://schemas.openxmlformats.org/presentationml/2006/main">
+  <p:cSld>
+    <p:spTree>
+      <p:nvGrpSpPr>
+        <p:cNvPr id="1" name=""/>
+        <p:cNvGrpSpPr/>
+        <p:nvPr/>
+      </p:nvGrpSpPr>
+      <p:grpSpPr>
+        <a:xfrm>
+          <a:off x="0" y="0"/>
+          <a:ext cx="0" cy="0"/>
+          <a:chOff x="0" y="0"/>
+          <a:chExt cx="0" cy="0"/>
+        </a:xfrm>
+      </p:grpSpPr>
+      <p:sp>
+        <p:nvSpPr>
+          <p:cNvPr id="4" name="Title 3"/>
+          <p:cNvSpPr>
+            <a:spLocks noGrp="1"/>
+          </p:cNvSpPr>
+          <p:nvPr>
+            <p:ph type="title"/>
+          </p:nvPr>
+        </p:nvSpPr>
+        <p:spPr/>
+        <p:txBody>
+          <a:bodyPr/>
+          <a:lstStyle/>
+          <a:p>
+            <a:r>
+              <a:rPr lang="sv-SE" dirty="0" smtClean="0"/>
+              <a:t>Utfall</a:t>
+            </a:r>
+            <a:endParaRPr lang="sv-SE" dirty="0"/>
+          </a:p>
+        </p:txBody>
+      </p:sp>
+      <p:sp>
+        <p:nvSpPr>
+          <p:cNvPr id="5" name="Text Placeholder 4"/>
+          <p:cNvSpPr>
+            <a:spLocks noGrp="1"/>
+          </p:cNvSpPr>
+          <p:nvPr>
+            <p:ph type="body" idx="1"/>
+          </p:nvPr>
+        </p:nvSpPr>
+        <p:spPr/>
+        <p:txBody>
+          <a:bodyPr/>
+          <a:lstStyle/>
+          <a:p>
+            <a:r>
+              <a:rPr lang="sv-SE" dirty="0" smtClean="0"/>
+              <a:t>Bra</a:t>
+            </a:r>
+          </a:p>
+        </p:txBody>
+      </p:sp>
+      <p:sp>
+        <p:nvSpPr>
+          <p:cNvPr id="6" name="Content Placeholder 5"/>
+          <p:cNvSpPr>
+            <a:spLocks noGrp="1"/>
+          </p:cNvSpPr>
+          <p:nvPr>
+            <p:ph sz="half" idx="2"/>
+          </p:nvPr>
+        </p:nvSpPr>
+        <p:spPr>
+          <a:noFill/>
+          <a:effectLst/>
+        </p:spPr>
+        <p:txBody>
+          <a:bodyPr/>
+          <a:lstStyle/>
+          <a:p>
+            <a:r>
+              <a:rPr lang="sv-SE" dirty="0" smtClean="0"/>
+              <a:t>Android</a:t>
+            </a:r>
+          </a:p>
+          <a:p>
+            <a:r>
+              <a:rPr lang="sv-SE" dirty="0" smtClean="0"/>
+              <a:t>Fungerande </a:t>
+            </a:r>
+            <a:r>
+              <a:rPr lang="sv-SE" dirty="0" smtClean="0"/>
+              <a:t>applikation</a:t>
+            </a:r>
+          </a:p>
+          <a:p>
+            <a:r>
+              <a:rPr lang="sv-SE" dirty="0" smtClean="0"/>
+              <a:t>Databasuppkoppling</a:t>
+            </a:r>
+          </a:p>
+          <a:p>
+            <a:r>
+              <a:rPr lang="sv-SE" dirty="0" smtClean="0"/>
+              <a:t>Större förståelse för projektarbeten</a:t>
+            </a:r>
+          </a:p>
+          <a:p>
+            <a:r>
+              <a:rPr lang="sv-SE" dirty="0" smtClean="0"/>
+              <a:t>Dokumentation</a:t>
+            </a:r>
+            <a:endParaRPr lang="sv-SE" dirty="0" smtClean="0"/>
+          </a:p>
+          <a:p>
+            <a:r>
+              <a:rPr lang="sv-SE" dirty="0" smtClean="0"/>
+              <a:t>Licensförståelse</a:t>
+            </a:r>
+            <a:endParaRPr lang="sv-SE" dirty="0" smtClean="0"/>
+          </a:p>
+          <a:p>
+            <a:r>
+              <a:rPr lang="sv-SE" dirty="0" smtClean="0"/>
+              <a:t>Extern kod</a:t>
+            </a:r>
+            <a:endParaRPr lang="sv-SE" dirty="0" smtClean="0"/>
+          </a:p>
+        </p:txBody>
+      </p:sp>
+      <p:sp>
+        <p:nvSpPr>
+          <p:cNvPr id="7" name="Text Placeholder 6"/>
+          <p:cNvSpPr>
+            <a:spLocks noGrp="1"/>
+          </p:cNvSpPr>
+          <p:nvPr>
+            <p:ph type="body" sz="quarter" idx="3"/>
+          </p:nvPr>
+        </p:nvSpPr>
+        <p:spPr/>
+        <p:txBody>
+          <a:bodyPr/>
+          <a:lstStyle/>
+          <a:p>
+            <a:r>
+              <a:rPr lang="sv-SE" dirty="0" smtClean="0"/>
+              <a:t>Dåligt</a:t>
+            </a:r>
+            <a:endParaRPr lang="sv-SE" dirty="0"/>
+          </a:p>
+        </p:txBody>
+      </p:sp>
+      <p:sp>
+        <p:nvSpPr>
+          <p:cNvPr id="8" name="Content Placeholder 7"/>
+          <p:cNvSpPr>
+            <a:spLocks noGrp="1"/>
+          </p:cNvSpPr>
+          <p:nvPr>
+            <p:ph sz="quarter" idx="4"/>
+          </p:nvPr>
+        </p:nvSpPr>
+        <p:spPr/>
+        <p:txBody>
+          <a:bodyPr/>
+          <a:lstStyle/>
+          <a:p>
+            <a:r>
+              <a:rPr lang="sv-SE" dirty="0" smtClean="0"/>
+              <a:t>Android</a:t>
+            </a:r>
+          </a:p>
+          <a:p>
+            <a:r>
+              <a:rPr lang="sv-SE" dirty="0" smtClean="0"/>
+              <a:t>UTF-8</a:t>
+            </a:r>
+            <a:endParaRPr lang="sv-SE" dirty="0" smtClean="0"/>
+          </a:p>
+          <a:p>
+            <a:r>
+              <a:rPr lang="sv-SE" dirty="0" smtClean="0"/>
+              <a:t>Miljön (Git, Eclipse, SP…)</a:t>
+            </a:r>
+          </a:p>
+          <a:p>
+            <a:r>
+              <a:rPr lang="sv-SE" dirty="0" smtClean="0"/>
+              <a:t>Extern Kommunikation</a:t>
+            </a:r>
+          </a:p>
+          <a:p>
+            <a:r>
+              <a:rPr lang="sv-SE" dirty="0" smtClean="0"/>
+              <a:t>Tidsuppskattning</a:t>
+            </a:r>
+          </a:p>
+          <a:p>
+            <a:r>
+              <a:rPr lang="sv-SE" dirty="0" smtClean="0"/>
+              <a:t>Snedvriden statistik</a:t>
+            </a:r>
+          </a:p>
+          <a:p>
+            <a:r>
+              <a:rPr lang="sv-SE" dirty="0" smtClean="0"/>
+              <a:t>Mer data!</a:t>
+            </a:r>
+            <a:endParaRPr lang="sv-SE" dirty="0" smtClean="0"/>
+          </a:p>
+          <a:p>
+            <a:endParaRPr lang="sv-SE" dirty="0"/>
+          </a:p>
+          <a:p>
+            <a:endParaRPr lang="sv-SE" dirty="0" smtClean="0"/>
+          </a:p>
+        </p:txBody>
+      </p:sp>
+    </p:spTree>
+    <p:extLst>
+      <p:ext uri="{BB962C8B-B14F-4D97-AF65-F5344CB8AC3E}">
+        <p14:creationId xmlns:p14="http://schemas.microsoft.com/office/powerpoint/2010/main" val="602996087"/>
+      </p:ext>
+    </p:extLst>
+  </p:cSld>
+  <p:clrMapOvr>
+    <a:masterClrMapping/>
+  </p:clrMapOvr>
+  <mc:AlternateContent xmlns:mc="http://schemas.openxmlformats.org/markup-compatibility/2006">
+    <mc:Choice xmlns:p14="http://schemas.microsoft.com/office/powerpoint/2010/main" Requires="p14">
+      <p:transition spd="med" p14:dur="700">
+        <p:fade/>
+      </p:transition>
+    </mc:Choice>
+    <mc:Fallback>
+      <p:transition spd="med">
+        <p:fade/>
+      </p:transition>
+    </mc:Fallback>
+  </mc:AlternateContent>
+  <p:timing>
+    <p:tnLst>
+      <p:par>
+        <p:cTn id="1" dur="indefinite" restart="never" nodeType="tmRoot"/>
+      </p:par>
+    </p:tnLst>
+  </p:timing>
 </p:sld>
 </file>
 
